--- a/ulta-presentation.pptx
+++ b/ulta-presentation.pptx
@@ -13,6 +13,7 @@
     <p:sldId id="267" r:id="rId7"/>
     <p:sldId id="268" r:id="rId8"/>
     <p:sldId id="269" r:id="rId9"/>
+    <p:sldId id="271" r:id="rId10"/>
   </p:sldIdLst>
   <p:sldSz cx="12192000" cy="6858000"/>
   <p:notesSz cx="6858000" cy="9144000"/>
@@ -9510,6 +9511,796 @@
 </p:sld>
 </file>
 
+<file path=ppt/slides/slide9.xml><?xml version="1.0" encoding="utf-8"?>
+<p:sld xmlns:a="http://schemas.openxmlformats.org/drawingml/2006/main" xmlns:r="http://schemas.openxmlformats.org/officeDocument/2006/relationships" xmlns:p="http://schemas.openxmlformats.org/presentationml/2006/main">
+  <p:cSld>
+    <p:bg>
+      <p:bgPr>
+        <a:solidFill>
+          <a:schemeClr val="bg1"/>
+        </a:solidFill>
+        <a:effectLst/>
+      </p:bgPr>
+    </p:bg>
+    <p:spTree>
+      <p:nvGrpSpPr>
+        <p:cNvPr id="1" name=""/>
+        <p:cNvGrpSpPr/>
+        <p:nvPr/>
+      </p:nvGrpSpPr>
+      <p:grpSpPr>
+        <a:xfrm>
+          <a:off x="0" y="0"/>
+          <a:ext cx="0" cy="0"/>
+          <a:chOff x="0" y="0"/>
+          <a:chExt cx="0" cy="0"/>
+        </a:xfrm>
+      </p:grpSpPr>
+      <p:sp useBgFill="1">
+        <p:nvSpPr>
+          <p:cNvPr id="14" name="Rectangle 13">
+            <a:extLst>
+              <a:ext uri="{FF2B5EF4-FFF2-40B4-BE49-F238E27FC236}">
+                <a16:creationId xmlns:a16="http://schemas.microsoft.com/office/drawing/2014/main" id="{F4C28683-31A6-43AA-A9CA-1D1C425535D1}"/>
+              </a:ext>
+              <a:ext uri="{C183D7F6-B498-43B3-948B-1728B52AA6E4}">
+                <adec:decorative xmlns:adec="http://schemas.microsoft.com/office/drawing/2017/decorative" val="1"/>
+              </a:ext>
+            </a:extLst>
+          </p:cNvPr>
+          <p:cNvSpPr>
+            <a:spLocks noGrp="1" noRot="1" noChangeAspect="1" noMove="1" noResize="1" noEditPoints="1" noAdjustHandles="1" noChangeArrowheads="1" noChangeShapeType="1" noTextEdit="1"/>
+          </p:cNvSpPr>
+          <p:nvPr>
+            <p:extLst>
+              <p:ext uri="{386F3935-93C4-4BCD-93E2-E3B085C9AB24}">
+                <p16:designElem xmlns:p16="http://schemas.microsoft.com/office/powerpoint/2015/main" val="1"/>
+              </p:ext>
+            </p:extLst>
+          </p:nvPr>
+        </p:nvSpPr>
+        <p:spPr>
+          <a:xfrm>
+            <a:off x="0" y="0"/>
+            <a:ext cx="12192000" cy="6858000"/>
+          </a:xfrm>
+          <a:prstGeom prst="rect">
+            <a:avLst/>
+          </a:prstGeom>
+          <a:ln w="12700" cap="flat" cmpd="sng" algn="ctr">
+            <a:noFill/>
+            <a:prstDash val="solid"/>
+            <a:miter lim="800000"/>
+          </a:ln>
+          <a:effectLst/>
+        </p:spPr>
+        <p:style>
+          <a:lnRef idx="2">
+            <a:schemeClr val="accent1">
+              <a:shade val="50000"/>
+            </a:schemeClr>
+          </a:lnRef>
+          <a:fillRef idx="1">
+            <a:schemeClr val="accent1"/>
+          </a:fillRef>
+          <a:effectRef idx="0">
+            <a:schemeClr val="accent1"/>
+          </a:effectRef>
+          <a:fontRef idx="minor">
+            <a:schemeClr val="lt1"/>
+          </a:fontRef>
+        </p:style>
+        <p:txBody>
+          <a:bodyPr rtlCol="0" anchor="ctr"/>
+          <a:lstStyle/>
+          <a:p>
+            <a:pPr algn="ctr"/>
+            <a:endParaRPr lang="en-US"/>
+          </a:p>
+        </p:txBody>
+      </p:sp>
+      <p:sp>
+        <p:nvSpPr>
+          <p:cNvPr id="16" name="Rectangle 15">
+            <a:extLst>
+              <a:ext uri="{FF2B5EF4-FFF2-40B4-BE49-F238E27FC236}">
+                <a16:creationId xmlns:a16="http://schemas.microsoft.com/office/drawing/2014/main" id="{D9FB580A-BA0E-4D5E-90F4-C42767A78389}"/>
+              </a:ext>
+              <a:ext uri="{C183D7F6-B498-43B3-948B-1728B52AA6E4}">
+                <adec:decorative xmlns:adec="http://schemas.microsoft.com/office/drawing/2017/decorative" val="1"/>
+              </a:ext>
+            </a:extLst>
+          </p:cNvPr>
+          <p:cNvSpPr>
+            <a:spLocks noGrp="1" noRot="1" noChangeAspect="1" noMove="1" noResize="1" noEditPoints="1" noAdjustHandles="1" noChangeArrowheads="1" noChangeShapeType="1" noTextEdit="1"/>
+          </p:cNvSpPr>
+          <p:nvPr>
+            <p:extLst>
+              <p:ext uri="{386F3935-93C4-4BCD-93E2-E3B085C9AB24}">
+                <p16:designElem xmlns:p16="http://schemas.microsoft.com/office/powerpoint/2015/main" val="1"/>
+              </p:ext>
+            </p:extLst>
+          </p:nvPr>
+        </p:nvSpPr>
+        <p:spPr>
+          <a:xfrm>
+            <a:off x="0" y="0"/>
+            <a:ext cx="12192000" cy="6858000"/>
+          </a:xfrm>
+          <a:prstGeom prst="rect">
+            <a:avLst/>
+          </a:prstGeom>
+          <a:gradFill flip="none" rotWithShape="1">
+            <a:gsLst>
+              <a:gs pos="0">
+                <a:schemeClr val="accent1"/>
+              </a:gs>
+              <a:gs pos="100000">
+                <a:schemeClr val="accent2"/>
+              </a:gs>
+            </a:gsLst>
+            <a:lin ang="18900000" scaled="0"/>
+            <a:tileRect/>
+          </a:gradFill>
+          <a:ln>
+            <a:noFill/>
+          </a:ln>
+        </p:spPr>
+        <p:style>
+          <a:lnRef idx="2">
+            <a:schemeClr val="accent1">
+              <a:shade val="50000"/>
+            </a:schemeClr>
+          </a:lnRef>
+          <a:fillRef idx="1">
+            <a:schemeClr val="accent1"/>
+          </a:fillRef>
+          <a:effectRef idx="0">
+            <a:schemeClr val="accent1"/>
+          </a:effectRef>
+          <a:fontRef idx="minor">
+            <a:schemeClr val="lt1"/>
+          </a:fontRef>
+        </p:style>
+        <p:txBody>
+          <a:bodyPr rtlCol="0" anchor="ctr"/>
+          <a:lstStyle/>
+          <a:p>
+            <a:pPr algn="ctr"/>
+            <a:endParaRPr lang="en-US">
+              <a:solidFill>
+                <a:srgbClr val="FFFFFF"/>
+              </a:solidFill>
+            </a:endParaRPr>
+          </a:p>
+        </p:txBody>
+      </p:sp>
+      <p:sp>
+        <p:nvSpPr>
+          <p:cNvPr id="2" name="Title 1">
+            <a:extLst>
+              <a:ext uri="{FF2B5EF4-FFF2-40B4-BE49-F238E27FC236}">
+                <a16:creationId xmlns:a16="http://schemas.microsoft.com/office/drawing/2014/main" id="{8239BB51-C554-2B49-8844-2C3CB9985786}"/>
+              </a:ext>
+            </a:extLst>
+          </p:cNvPr>
+          <p:cNvSpPr>
+            <a:spLocks noGrp="1"/>
+          </p:cNvSpPr>
+          <p:nvPr>
+            <p:ph type="title"/>
+          </p:nvPr>
+        </p:nvSpPr>
+        <p:spPr>
+          <a:xfrm>
+            <a:off x="351691" y="23056"/>
+            <a:ext cx="10701808" cy="1463136"/>
+          </a:xfrm>
+        </p:spPr>
+        <p:txBody>
+          <a:bodyPr vert="horz" lIns="91440" tIns="45720" rIns="91440" bIns="45720" rtlCol="0" anchor="b">
+            <a:noAutofit/>
+          </a:bodyPr>
+          <a:lstStyle/>
+          <a:p>
+            <a:r>
+              <a:rPr lang="en-US" sz="4200" dirty="0">
+                <a:solidFill>
+                  <a:schemeClr val="bg1"/>
+                </a:solidFill>
+              </a:rPr>
+              <a:t>Future Directions / What I would do…</a:t>
+            </a:r>
+          </a:p>
+        </p:txBody>
+      </p:sp>
+      <p:grpSp>
+        <p:nvGrpSpPr>
+          <p:cNvPr id="18" name="Group 17">
+            <a:extLst>
+              <a:ext uri="{FF2B5EF4-FFF2-40B4-BE49-F238E27FC236}">
+                <a16:creationId xmlns:a16="http://schemas.microsoft.com/office/drawing/2014/main" id="{39EF00A9-80B5-4DD6-8113-9D082B074A41}"/>
+              </a:ext>
+              <a:ext uri="{C183D7F6-B498-43B3-948B-1728B52AA6E4}">
+                <adec:decorative xmlns:adec="http://schemas.microsoft.com/office/drawing/2017/decorative" val="1"/>
+              </a:ext>
+            </a:extLst>
+          </p:cNvPr>
+          <p:cNvGrpSpPr>
+            <a:grpSpLocks noGrp="1" noUngrp="1" noRot="1" noChangeAspect="1" noMove="1" noResize="1"/>
+          </p:cNvGrpSpPr>
+          <p:nvPr>
+            <p:extLst>
+              <p:ext uri="{386F3935-93C4-4BCD-93E2-E3B085C9AB24}">
+                <p16:designElem xmlns:p16="http://schemas.microsoft.com/office/powerpoint/2015/main" val="1"/>
+              </p:ext>
+            </p:extLst>
+          </p:nvPr>
+        </p:nvGrpSpPr>
+        <p:grpSpPr>
+          <a:xfrm>
+            <a:off x="529414" y="3813914"/>
+            <a:ext cx="465458" cy="872153"/>
+            <a:chOff x="529414" y="3813914"/>
+            <a:chExt cx="465458" cy="872153"/>
+          </a:xfrm>
+          <a:solidFill>
+            <a:srgbClr val="FFFFFF"/>
+          </a:solidFill>
+        </p:grpSpPr>
+        <p:sp>
+          <p:nvSpPr>
+            <p:cNvPr id="19" name="Graphic 13">
+              <a:extLst>
+                <a:ext uri="{FF2B5EF4-FFF2-40B4-BE49-F238E27FC236}">
+                  <a16:creationId xmlns:a16="http://schemas.microsoft.com/office/drawing/2014/main" id="{C5CB530E-515E-412C-9DF1-5F8FFBD6F383}"/>
+                </a:ext>
+                <a:ext uri="{C183D7F6-B498-43B3-948B-1728B52AA6E4}">
+                  <adec:decorative xmlns:adec="http://schemas.microsoft.com/office/drawing/2017/decorative" val="1"/>
+                </a:ext>
+              </a:extLst>
+            </p:cNvPr>
+            <p:cNvSpPr/>
+            <p:nvPr>
+              <p:extLst>
+                <p:ext uri="{386F3935-93C4-4BCD-93E2-E3B085C9AB24}">
+                  <p16:designElem xmlns:p16="http://schemas.microsoft.com/office/powerpoint/2015/main" val="1"/>
+                </p:ext>
+              </p:extLst>
+            </p:nvPr>
+          </p:nvSpPr>
+          <p:spPr>
+            <a:xfrm>
+              <a:off x="544954" y="3813914"/>
+              <a:ext cx="139039" cy="139039"/>
+            </a:xfrm>
+            <a:custGeom>
+              <a:avLst/>
+              <a:gdLst>
+                <a:gd name="connsiteX0" fmla="*/ 129602 w 139039"/>
+                <a:gd name="connsiteY0" fmla="*/ 60082 h 139039"/>
+                <a:gd name="connsiteX1" fmla="*/ 78957 w 139039"/>
+                <a:gd name="connsiteY1" fmla="*/ 60082 h 139039"/>
+                <a:gd name="connsiteX2" fmla="*/ 78957 w 139039"/>
+                <a:gd name="connsiteY2" fmla="*/ 9437 h 139039"/>
+                <a:gd name="connsiteX3" fmla="*/ 69520 w 139039"/>
+                <a:gd name="connsiteY3" fmla="*/ 0 h 139039"/>
+                <a:gd name="connsiteX4" fmla="*/ 60082 w 139039"/>
+                <a:gd name="connsiteY4" fmla="*/ 9437 h 139039"/>
+                <a:gd name="connsiteX5" fmla="*/ 60082 w 139039"/>
+                <a:gd name="connsiteY5" fmla="*/ 60082 h 139039"/>
+                <a:gd name="connsiteX6" fmla="*/ 9437 w 139039"/>
+                <a:gd name="connsiteY6" fmla="*/ 60082 h 139039"/>
+                <a:gd name="connsiteX7" fmla="*/ 0 w 139039"/>
+                <a:gd name="connsiteY7" fmla="*/ 69520 h 139039"/>
+                <a:gd name="connsiteX8" fmla="*/ 9437 w 139039"/>
+                <a:gd name="connsiteY8" fmla="*/ 78957 h 139039"/>
+                <a:gd name="connsiteX9" fmla="*/ 60082 w 139039"/>
+                <a:gd name="connsiteY9" fmla="*/ 78957 h 139039"/>
+                <a:gd name="connsiteX10" fmla="*/ 60082 w 139039"/>
+                <a:gd name="connsiteY10" fmla="*/ 129602 h 139039"/>
+                <a:gd name="connsiteX11" fmla="*/ 69520 w 139039"/>
+                <a:gd name="connsiteY11" fmla="*/ 139039 h 139039"/>
+                <a:gd name="connsiteX12" fmla="*/ 78957 w 139039"/>
+                <a:gd name="connsiteY12" fmla="*/ 129602 h 139039"/>
+                <a:gd name="connsiteX13" fmla="*/ 78957 w 139039"/>
+                <a:gd name="connsiteY13" fmla="*/ 78957 h 139039"/>
+                <a:gd name="connsiteX14" fmla="*/ 129602 w 139039"/>
+                <a:gd name="connsiteY14" fmla="*/ 78957 h 139039"/>
+                <a:gd name="connsiteX15" fmla="*/ 139039 w 139039"/>
+                <a:gd name="connsiteY15" fmla="*/ 69520 h 139039"/>
+                <a:gd name="connsiteX16" fmla="*/ 129602 w 139039"/>
+                <a:gd name="connsiteY16" fmla="*/ 60082 h 139039"/>
+              </a:gdLst>
+              <a:ahLst/>
+              <a:cxnLst>
+                <a:cxn ang="0">
+                  <a:pos x="connsiteX0" y="connsiteY0"/>
+                </a:cxn>
+                <a:cxn ang="0">
+                  <a:pos x="connsiteX1" y="connsiteY1"/>
+                </a:cxn>
+                <a:cxn ang="0">
+                  <a:pos x="connsiteX2" y="connsiteY2"/>
+                </a:cxn>
+                <a:cxn ang="0">
+                  <a:pos x="connsiteX3" y="connsiteY3"/>
+                </a:cxn>
+                <a:cxn ang="0">
+                  <a:pos x="connsiteX4" y="connsiteY4"/>
+                </a:cxn>
+                <a:cxn ang="0">
+                  <a:pos x="connsiteX5" y="connsiteY5"/>
+                </a:cxn>
+                <a:cxn ang="0">
+                  <a:pos x="connsiteX6" y="connsiteY6"/>
+                </a:cxn>
+                <a:cxn ang="0">
+                  <a:pos x="connsiteX7" y="connsiteY7"/>
+                </a:cxn>
+                <a:cxn ang="0">
+                  <a:pos x="connsiteX8" y="connsiteY8"/>
+                </a:cxn>
+                <a:cxn ang="0">
+                  <a:pos x="connsiteX9" y="connsiteY9"/>
+                </a:cxn>
+                <a:cxn ang="0">
+                  <a:pos x="connsiteX10" y="connsiteY10"/>
+                </a:cxn>
+                <a:cxn ang="0">
+                  <a:pos x="connsiteX11" y="connsiteY11"/>
+                </a:cxn>
+                <a:cxn ang="0">
+                  <a:pos x="connsiteX12" y="connsiteY12"/>
+                </a:cxn>
+                <a:cxn ang="0">
+                  <a:pos x="connsiteX13" y="connsiteY13"/>
+                </a:cxn>
+                <a:cxn ang="0">
+                  <a:pos x="connsiteX14" y="connsiteY14"/>
+                </a:cxn>
+                <a:cxn ang="0">
+                  <a:pos x="connsiteX15" y="connsiteY15"/>
+                </a:cxn>
+                <a:cxn ang="0">
+                  <a:pos x="connsiteX16" y="connsiteY16"/>
+                </a:cxn>
+              </a:cxnLst>
+              <a:rect l="l" t="t" r="r" b="b"/>
+              <a:pathLst>
+                <a:path w="139039" h="139039">
+                  <a:moveTo>
+                    <a:pt x="129602" y="60082"/>
+                  </a:moveTo>
+                  <a:lnTo>
+                    <a:pt x="78957" y="60082"/>
+                  </a:lnTo>
+                  <a:lnTo>
+                    <a:pt x="78957" y="9437"/>
+                  </a:lnTo>
+                  <a:cubicBezTo>
+                    <a:pt x="78957" y="4225"/>
+                    <a:pt x="74731" y="0"/>
+                    <a:pt x="69520" y="0"/>
+                  </a:cubicBezTo>
+                  <a:cubicBezTo>
+                    <a:pt x="64308" y="0"/>
+                    <a:pt x="60082" y="4225"/>
+                    <a:pt x="60082" y="9437"/>
+                  </a:cubicBezTo>
+                  <a:lnTo>
+                    <a:pt x="60082" y="60082"/>
+                  </a:lnTo>
+                  <a:lnTo>
+                    <a:pt x="9437" y="60082"/>
+                  </a:lnTo>
+                  <a:cubicBezTo>
+                    <a:pt x="4225" y="60082"/>
+                    <a:pt x="0" y="64308"/>
+                    <a:pt x="0" y="69520"/>
+                  </a:cubicBezTo>
+                  <a:cubicBezTo>
+                    <a:pt x="0" y="74731"/>
+                    <a:pt x="4225" y="78957"/>
+                    <a:pt x="9437" y="78957"/>
+                  </a:cubicBezTo>
+                  <a:lnTo>
+                    <a:pt x="60082" y="78957"/>
+                  </a:lnTo>
+                  <a:lnTo>
+                    <a:pt x="60082" y="129602"/>
+                  </a:lnTo>
+                  <a:cubicBezTo>
+                    <a:pt x="60082" y="134814"/>
+                    <a:pt x="64308" y="139039"/>
+                    <a:pt x="69520" y="139039"/>
+                  </a:cubicBezTo>
+                  <a:cubicBezTo>
+                    <a:pt x="74731" y="139039"/>
+                    <a:pt x="78957" y="134814"/>
+                    <a:pt x="78957" y="129602"/>
+                  </a:cubicBezTo>
+                  <a:lnTo>
+                    <a:pt x="78957" y="78957"/>
+                  </a:lnTo>
+                  <a:lnTo>
+                    <a:pt x="129602" y="78957"/>
+                  </a:lnTo>
+                  <a:cubicBezTo>
+                    <a:pt x="134814" y="78957"/>
+                    <a:pt x="139039" y="74731"/>
+                    <a:pt x="139039" y="69520"/>
+                  </a:cubicBezTo>
+                  <a:cubicBezTo>
+                    <a:pt x="139039" y="64308"/>
+                    <a:pt x="134814" y="60082"/>
+                    <a:pt x="129602" y="60082"/>
+                  </a:cubicBezTo>
+                  <a:close/>
+                </a:path>
+              </a:pathLst>
+            </a:custGeom>
+            <a:grpFill/>
+            <a:ln w="603" cap="flat">
+              <a:noFill/>
+              <a:prstDash val="solid"/>
+              <a:miter/>
+            </a:ln>
+          </p:spPr>
+          <p:txBody>
+            <a:bodyPr rtlCol="0" anchor="ctr"/>
+            <a:lstStyle/>
+            <a:p>
+              <a:endParaRPr lang="en-US">
+                <a:solidFill>
+                  <a:srgbClr val="FFFFFF"/>
+                </a:solidFill>
+              </a:endParaRPr>
+            </a:p>
+          </p:txBody>
+        </p:sp>
+        <p:sp>
+          <p:nvSpPr>
+            <p:cNvPr id="20" name="Graphic 12">
+              <a:extLst>
+                <a:ext uri="{FF2B5EF4-FFF2-40B4-BE49-F238E27FC236}">
+                  <a16:creationId xmlns:a16="http://schemas.microsoft.com/office/drawing/2014/main" id="{712D4376-A578-4FF1-94FC-245E7A6A489F}"/>
+                </a:ext>
+                <a:ext uri="{C183D7F6-B498-43B3-948B-1728B52AA6E4}">
+                  <adec:decorative xmlns:adec="http://schemas.microsoft.com/office/drawing/2017/decorative" val="1"/>
+                </a:ext>
+              </a:extLst>
+            </p:cNvPr>
+            <p:cNvSpPr/>
+            <p:nvPr>
+              <p:extLst>
+                <p:ext uri="{386F3935-93C4-4BCD-93E2-E3B085C9AB24}">
+                  <p16:designElem xmlns:p16="http://schemas.microsoft.com/office/powerpoint/2015/main" val="1"/>
+                </p:ext>
+              </p:extLst>
+            </p:nvPr>
+          </p:nvSpPr>
+          <p:spPr>
+            <a:xfrm>
+              <a:off x="903734" y="4043209"/>
+              <a:ext cx="91138" cy="91138"/>
+            </a:xfrm>
+            <a:custGeom>
+              <a:avLst/>
+              <a:gdLst>
+                <a:gd name="connsiteX0" fmla="*/ 91138 w 91138"/>
+                <a:gd name="connsiteY0" fmla="*/ 45569 h 91138"/>
+                <a:gd name="connsiteX1" fmla="*/ 45569 w 91138"/>
+                <a:gd name="connsiteY1" fmla="*/ 91138 h 91138"/>
+                <a:gd name="connsiteX2" fmla="*/ 0 w 91138"/>
+                <a:gd name="connsiteY2" fmla="*/ 45569 h 91138"/>
+                <a:gd name="connsiteX3" fmla="*/ 45569 w 91138"/>
+                <a:gd name="connsiteY3" fmla="*/ 0 h 91138"/>
+                <a:gd name="connsiteX4" fmla="*/ 91138 w 91138"/>
+                <a:gd name="connsiteY4" fmla="*/ 45569 h 91138"/>
+              </a:gdLst>
+              <a:ahLst/>
+              <a:cxnLst>
+                <a:cxn ang="0">
+                  <a:pos x="connsiteX0" y="connsiteY0"/>
+                </a:cxn>
+                <a:cxn ang="0">
+                  <a:pos x="connsiteX1" y="connsiteY1"/>
+                </a:cxn>
+                <a:cxn ang="0">
+                  <a:pos x="connsiteX2" y="connsiteY2"/>
+                </a:cxn>
+                <a:cxn ang="0">
+                  <a:pos x="connsiteX3" y="connsiteY3"/>
+                </a:cxn>
+                <a:cxn ang="0">
+                  <a:pos x="connsiteX4" y="connsiteY4"/>
+                </a:cxn>
+              </a:cxnLst>
+              <a:rect l="l" t="t" r="r" b="b"/>
+              <a:pathLst>
+                <a:path w="91138" h="91138">
+                  <a:moveTo>
+                    <a:pt x="91138" y="45569"/>
+                  </a:moveTo>
+                  <a:cubicBezTo>
+                    <a:pt x="91138" y="70736"/>
+                    <a:pt x="70736" y="91138"/>
+                    <a:pt x="45569" y="91138"/>
+                  </a:cubicBezTo>
+                  <a:cubicBezTo>
+                    <a:pt x="20402" y="91138"/>
+                    <a:pt x="0" y="70736"/>
+                    <a:pt x="0" y="45569"/>
+                  </a:cubicBezTo>
+                  <a:cubicBezTo>
+                    <a:pt x="0" y="20402"/>
+                    <a:pt x="20402" y="0"/>
+                    <a:pt x="45569" y="0"/>
+                  </a:cubicBezTo>
+                  <a:cubicBezTo>
+                    <a:pt x="70736" y="0"/>
+                    <a:pt x="91138" y="20402"/>
+                    <a:pt x="91138" y="45569"/>
+                  </a:cubicBezTo>
+                  <a:close/>
+                </a:path>
+              </a:pathLst>
+            </a:custGeom>
+            <a:grpFill/>
+            <a:ln w="422" cap="flat">
+              <a:noFill/>
+              <a:prstDash val="solid"/>
+              <a:miter/>
+            </a:ln>
+          </p:spPr>
+          <p:txBody>
+            <a:bodyPr rtlCol="0" anchor="ctr"/>
+            <a:lstStyle/>
+            <a:p>
+              <a:endParaRPr lang="en-US">
+                <a:solidFill>
+                  <a:srgbClr val="FFFFFF"/>
+                </a:solidFill>
+              </a:endParaRPr>
+            </a:p>
+          </p:txBody>
+        </p:sp>
+        <p:sp>
+          <p:nvSpPr>
+            <p:cNvPr id="21" name="Graphic 15">
+              <a:extLst>
+                <a:ext uri="{FF2B5EF4-FFF2-40B4-BE49-F238E27FC236}">
+                  <a16:creationId xmlns:a16="http://schemas.microsoft.com/office/drawing/2014/main" id="{AEA7509D-F04F-40CB-A0B3-EEF16499CC9F}"/>
+                </a:ext>
+                <a:ext uri="{C183D7F6-B498-43B3-948B-1728B52AA6E4}">
+                  <adec:decorative xmlns:adec="http://schemas.microsoft.com/office/drawing/2017/decorative" val="1"/>
+                </a:ext>
+              </a:extLst>
+            </p:cNvPr>
+            <p:cNvSpPr/>
+            <p:nvPr>
+              <p:extLst>
+                <p:ext uri="{386F3935-93C4-4BCD-93E2-E3B085C9AB24}">
+                  <p16:designElem xmlns:p16="http://schemas.microsoft.com/office/powerpoint/2015/main" val="1"/>
+                </p:ext>
+              </p:extLst>
+            </p:nvPr>
+          </p:nvSpPr>
+          <p:spPr>
+            <a:xfrm>
+              <a:off x="529414" y="4558353"/>
+              <a:ext cx="127714" cy="127714"/>
+            </a:xfrm>
+            <a:custGeom>
+              <a:avLst/>
+              <a:gdLst>
+                <a:gd name="connsiteX0" fmla="*/ 63857 w 127714"/>
+                <a:gd name="connsiteY0" fmla="*/ 18874 h 127714"/>
+                <a:gd name="connsiteX1" fmla="*/ 108840 w 127714"/>
+                <a:gd name="connsiteY1" fmla="*/ 63857 h 127714"/>
+                <a:gd name="connsiteX2" fmla="*/ 63857 w 127714"/>
+                <a:gd name="connsiteY2" fmla="*/ 108840 h 127714"/>
+                <a:gd name="connsiteX3" fmla="*/ 18874 w 127714"/>
+                <a:gd name="connsiteY3" fmla="*/ 63857 h 127714"/>
+                <a:gd name="connsiteX4" fmla="*/ 63857 w 127714"/>
+                <a:gd name="connsiteY4" fmla="*/ 18874 h 127714"/>
+                <a:gd name="connsiteX5" fmla="*/ 63857 w 127714"/>
+                <a:gd name="connsiteY5" fmla="*/ 0 h 127714"/>
+                <a:gd name="connsiteX6" fmla="*/ 0 w 127714"/>
+                <a:gd name="connsiteY6" fmla="*/ 63857 h 127714"/>
+                <a:gd name="connsiteX7" fmla="*/ 63857 w 127714"/>
+                <a:gd name="connsiteY7" fmla="*/ 127714 h 127714"/>
+                <a:gd name="connsiteX8" fmla="*/ 127714 w 127714"/>
+                <a:gd name="connsiteY8" fmla="*/ 63857 h 127714"/>
+                <a:gd name="connsiteX9" fmla="*/ 63857 w 127714"/>
+                <a:gd name="connsiteY9" fmla="*/ 0 h 127714"/>
+              </a:gdLst>
+              <a:ahLst/>
+              <a:cxnLst>
+                <a:cxn ang="0">
+                  <a:pos x="connsiteX0" y="connsiteY0"/>
+                </a:cxn>
+                <a:cxn ang="0">
+                  <a:pos x="connsiteX1" y="connsiteY1"/>
+                </a:cxn>
+                <a:cxn ang="0">
+                  <a:pos x="connsiteX2" y="connsiteY2"/>
+                </a:cxn>
+                <a:cxn ang="0">
+                  <a:pos x="connsiteX3" y="connsiteY3"/>
+                </a:cxn>
+                <a:cxn ang="0">
+                  <a:pos x="connsiteX4" y="connsiteY4"/>
+                </a:cxn>
+                <a:cxn ang="0">
+                  <a:pos x="connsiteX5" y="connsiteY5"/>
+                </a:cxn>
+                <a:cxn ang="0">
+                  <a:pos x="connsiteX6" y="connsiteY6"/>
+                </a:cxn>
+                <a:cxn ang="0">
+                  <a:pos x="connsiteX7" y="connsiteY7"/>
+                </a:cxn>
+                <a:cxn ang="0">
+                  <a:pos x="connsiteX8" y="connsiteY8"/>
+                </a:cxn>
+                <a:cxn ang="0">
+                  <a:pos x="connsiteX9" y="connsiteY9"/>
+                </a:cxn>
+              </a:cxnLst>
+              <a:rect l="l" t="t" r="r" b="b"/>
+              <a:pathLst>
+                <a:path w="127714" h="127714">
+                  <a:moveTo>
+                    <a:pt x="63857" y="18874"/>
+                  </a:moveTo>
+                  <a:cubicBezTo>
+                    <a:pt x="88700" y="18874"/>
+                    <a:pt x="108840" y="39014"/>
+                    <a:pt x="108840" y="63857"/>
+                  </a:cubicBezTo>
+                  <a:cubicBezTo>
+                    <a:pt x="108840" y="88700"/>
+                    <a:pt x="88700" y="108840"/>
+                    <a:pt x="63857" y="108840"/>
+                  </a:cubicBezTo>
+                  <a:cubicBezTo>
+                    <a:pt x="39014" y="108840"/>
+                    <a:pt x="18874" y="88700"/>
+                    <a:pt x="18874" y="63857"/>
+                  </a:cubicBezTo>
+                  <a:cubicBezTo>
+                    <a:pt x="18898" y="39024"/>
+                    <a:pt x="39024" y="18898"/>
+                    <a:pt x="63857" y="18874"/>
+                  </a:cubicBezTo>
+                  <a:moveTo>
+                    <a:pt x="63857" y="0"/>
+                  </a:moveTo>
+                  <a:cubicBezTo>
+                    <a:pt x="28590" y="0"/>
+                    <a:pt x="0" y="28590"/>
+                    <a:pt x="0" y="63857"/>
+                  </a:cubicBezTo>
+                  <a:cubicBezTo>
+                    <a:pt x="0" y="99124"/>
+                    <a:pt x="28590" y="127714"/>
+                    <a:pt x="63857" y="127714"/>
+                  </a:cubicBezTo>
+                  <a:cubicBezTo>
+                    <a:pt x="99124" y="127714"/>
+                    <a:pt x="127714" y="99124"/>
+                    <a:pt x="127714" y="63857"/>
+                  </a:cubicBezTo>
+                  <a:cubicBezTo>
+                    <a:pt x="127714" y="28590"/>
+                    <a:pt x="99124" y="0"/>
+                    <a:pt x="63857" y="0"/>
+                  </a:cubicBezTo>
+                  <a:close/>
+                </a:path>
+              </a:pathLst>
+            </a:custGeom>
+            <a:grpFill/>
+            <a:ln w="610" cap="flat">
+              <a:noFill/>
+              <a:prstDash val="solid"/>
+              <a:miter/>
+            </a:ln>
+          </p:spPr>
+          <p:txBody>
+            <a:bodyPr rtlCol="0" anchor="ctr"/>
+            <a:lstStyle/>
+            <a:p>
+              <a:endParaRPr lang="en-US">
+                <a:solidFill>
+                  <a:srgbClr val="FFFFFF"/>
+                </a:solidFill>
+              </a:endParaRPr>
+            </a:p>
+          </p:txBody>
+        </p:sp>
+      </p:grpSp>
+      <p:sp>
+        <p:nvSpPr>
+          <p:cNvPr id="3" name="TextBox 2">
+            <a:extLst>
+              <a:ext uri="{FF2B5EF4-FFF2-40B4-BE49-F238E27FC236}">
+                <a16:creationId xmlns:a16="http://schemas.microsoft.com/office/drawing/2014/main" id="{D790137F-8B40-BB4D-A38F-C96CA7D4E31E}"/>
+              </a:ext>
+            </a:extLst>
+          </p:cNvPr>
+          <p:cNvSpPr txBox="1"/>
+          <p:nvPr/>
+        </p:nvSpPr>
+        <p:spPr>
+          <a:xfrm>
+            <a:off x="723851" y="1811983"/>
+            <a:ext cx="11401425" cy="2677656"/>
+          </a:xfrm>
+          <a:prstGeom prst="rect">
+            <a:avLst/>
+          </a:prstGeom>
+          <a:noFill/>
+        </p:spPr>
+        <p:txBody>
+          <a:bodyPr wrap="square" rtlCol="0">
+            <a:spAutoFit/>
+          </a:bodyPr>
+          <a:lstStyle/>
+          <a:p>
+            <a:r>
+              <a:rPr lang="en-US" sz="2400" dirty="0"/>
+              <a:t>I would like to scrape all text data from all reviews, and analyze to see what words are present in high-rated, best-selling products.</a:t>
+            </a:r>
+          </a:p>
+          <a:p>
+            <a:r>
+              <a:rPr lang="en-US" sz="2400" dirty="0"/>
+              <a:t>It would also have been cool to extract the type of moisturizer from the product text (i.e., anti-aging, for sensitive skin, anti-acne).</a:t>
+            </a:r>
+          </a:p>
+          <a:p>
+            <a:r>
+              <a:rPr lang="en-US" sz="2400" dirty="0"/>
+              <a:t>I also would have liked to compare the bestselling products </a:t>
+            </a:r>
+            <a:r>
+              <a:rPr lang="en-US" sz="2400" i="1" dirty="0"/>
+              <a:t>across</a:t>
+            </a:r>
+            <a:r>
+              <a:rPr lang="en-US" sz="2400" dirty="0"/>
+              <a:t> different websites, to see if these are really the most best-selling products (or just the best-selling on </a:t>
+            </a:r>
+            <a:r>
+              <a:rPr lang="en-US" sz="2400" dirty="0" err="1"/>
+              <a:t>Ulta</a:t>
+            </a:r>
+            <a:r>
+              <a:rPr lang="en-US" sz="2400" dirty="0"/>
+              <a:t>).</a:t>
+            </a:r>
+          </a:p>
+          <a:p>
+            <a:endParaRPr lang="en-US" sz="2400" dirty="0"/>
+          </a:p>
+        </p:txBody>
+      </p:sp>
+    </p:spTree>
+    <p:extLst>
+      <p:ext uri="{BB962C8B-B14F-4D97-AF65-F5344CB8AC3E}">
+        <p14:creationId xmlns:p14="http://schemas.microsoft.com/office/powerpoint/2010/main" val="1474387386"/>
+      </p:ext>
+    </p:extLst>
+  </p:cSld>
+  <p:clrMapOvr>
+    <a:masterClrMapping/>
+  </p:clrMapOvr>
+</p:sld>
+</file>
+
 <file path=ppt/theme/theme1.xml><?xml version="1.0" encoding="utf-8"?>
 <a:theme xmlns:a="http://schemas.openxmlformats.org/drawingml/2006/main" name="Office Theme">
   <a:themeElements>
